--- a/docs/blog/journal_club/2024-04-23_mercury/index.pptx
+++ b/docs/blog/journal_club/2024-04-23_mercury/index.pptx
@@ -3181,7 +3181,7 @@
             </a:pPr>
             <a:r>
               <a:rPr/>
-              <a:t>2024-04-25</a:t>
+              <a:t>2024-04-24</a:t>
             </a:r>
           </a:p>
         </p:txBody>

--- a/docs/blog/journal_club/2024-04-23_mercury/index.pptx
+++ b/docs/blog/journal_club/2024-04-23_mercury/index.pptx
@@ -3181,7 +3181,7 @@
             </a:pPr>
             <a:r>
               <a:rPr/>
-              <a:t>2024-04-24</a:t>
+              <a:t>2024-04-25</a:t>
             </a:r>
           </a:p>
         </p:txBody>

--- a/docs/blog/journal_club/2024-04-23_mercury/index.pptx
+++ b/docs/blog/journal_club/2024-04-23_mercury/index.pptx
@@ -3908,8 +3908,8 @@
                       <m:d>
                         <m:dPr>
                           <m:begChr m:val="("/>
+                          <m:sepChr m:val=""/>
                           <m:endChr m:val=")"/>
-                          <m:sepChr m:val=""/>
                           <m:grow/>
                         </m:dPr>
                         <m:e>
@@ -4266,8 +4266,8 @@
                     <m:d>
                       <m:dPr>
                         <m:begChr m:val="|"/>
+                        <m:sepChr m:val=""/>
                         <m:endChr m:val="|"/>
-                        <m:sepChr m:val=""/>
                         <m:grow/>
                       </m:dPr>
                       <m:e>
